--- a/backend/javaforce5-beta/project_documents/Team JavaForce5 Presentation.pptx
+++ b/backend/javaforce5-beta/project_documents/Team JavaForce5 Presentation.pptx
@@ -112,7 +112,55 @@
       </a:defRPr>
     </a:lvl9pPr>
   </p:defaultTextStyle>
+  <p:extLst>
+    <p:ext uri="{521415D9-36F7-43E2-AB2F-B90AF26B5E84}">
+      <p14:sectionLst xmlns:p14="http://schemas.microsoft.com/office/powerpoint/2010/main">
+        <p14:section name="Untitled Section" id="{58763CAA-19F9-417F-825D-E1DEA2FCC96F}">
+          <p14:sldIdLst>
+            <p14:sldId id="256"/>
+            <p14:sldId id="257"/>
+            <p14:sldId id="258"/>
+            <p14:sldId id="259"/>
+            <p14:sldId id="260"/>
+            <p14:sldId id="261"/>
+            <p14:sldId id="262"/>
+            <p14:sldId id="263"/>
+            <p14:sldId id="264"/>
+          </p14:sldIdLst>
+        </p14:section>
+      </p14:sectionLst>
+    </p:ext>
+    <p:ext uri="{EFAFB233-063F-42B5-8137-9DF3F51BA10A}">
+      <p15:sldGuideLst xmlns:p15="http://schemas.microsoft.com/office/powerpoint/2012/main"/>
+    </p:ext>
+  </p:extLst>
 </p:presentation>
+</file>
+
+<file path=ppt/commentAuthors.xml><?xml version="1.0" encoding="utf-8"?>
+<p:cmAuthorLst xmlns:a="http://schemas.openxmlformats.org/drawingml/2006/main" xmlns:r="http://schemas.openxmlformats.org/officeDocument/2006/relationships" xmlns:p="http://schemas.openxmlformats.org/presentationml/2006/main">
+  <p:cmAuthor id="1" name="Brian Knight" initials="BK" lastIdx="1" clrIdx="0">
+    <p:extLst>
+      <p:ext uri="{19B8F6BF-5375-455C-9EA6-DF929625EA0E}">
+        <p15:presenceInfo xmlns:p15="http://schemas.microsoft.com/office/powerpoint/2012/main" userId="3879aae27990429c" providerId="Windows Live"/>
+      </p:ext>
+    </p:extLst>
+  </p:cmAuthor>
+</p:cmAuthorLst>
+</file>
+
+<file path=ppt/comments/comment1.xml><?xml version="1.0" encoding="utf-8"?>
+<p:cmLst xmlns:a="http://schemas.openxmlformats.org/drawingml/2006/main" xmlns:r="http://schemas.openxmlformats.org/officeDocument/2006/relationships" xmlns:p="http://schemas.openxmlformats.org/presentationml/2006/main">
+  <p:cm authorId="1" dt="2022-10-01T13:33:14.659" idx="1">
+    <p:pos x="10" y="10"/>
+    <p:text/>
+    <p:extLst>
+      <p:ext uri="{C676402C-5697-4E1C-873F-D02D1690AC5C}">
+        <p15:threadingInfo xmlns:p15="http://schemas.microsoft.com/office/powerpoint/2012/main" timeZoneBias="360"/>
+      </p:ext>
+    </p:extLst>
+  </p:cm>
+</p:cmLst>
 </file>
 
 <file path=ppt/slideLayouts/slideLayout1.xml><?xml version="1.0" encoding="utf-8"?>
@@ -172,7 +220,7 @@
           <a:noFill/>
           <a:extLst>
             <a:ext uri="{909E8E84-426E-40dd-AFC4-6F175D3DCCD1}">
-              <a14:hiddenFill xmlns:a14="http://schemas.microsoft.com/office/drawing/2010/main" xmlns="">
+              <a14:hiddenFill xmlns="" xmlns:a14="http://schemas.microsoft.com/office/drawing/2010/main">
                 <a:solidFill>
                   <a:srgbClr val="FFFFFF"/>
                 </a:solidFill>
@@ -232,7 +280,7 @@
             </a:ln>
             <a:extLst>
               <a:ext uri="{91240B29-F687-4f45-9708-019B960494DF}">
-                <a14:hiddenLine xmlns:a14="http://schemas.microsoft.com/office/drawing/2010/main" xmlns="" w="9525">
+                <a14:hiddenLine xmlns="" xmlns:a14="http://schemas.microsoft.com/office/drawing/2010/main" w="9525">
                   <a:solidFill>
                     <a:srgbClr val="000000"/>
                   </a:solidFill>
@@ -322,7 +370,7 @@
             </a:ln>
             <a:extLst>
               <a:ext uri="{91240B29-F687-4f45-9708-019B960494DF}">
-                <a14:hiddenLine xmlns:a14="http://schemas.microsoft.com/office/drawing/2010/main" xmlns="" w="9525">
+                <a14:hiddenLine xmlns="" xmlns:a14="http://schemas.microsoft.com/office/drawing/2010/main" w="9525">
                   <a:solidFill>
                     <a:srgbClr val="000000"/>
                   </a:solidFill>
@@ -412,7 +460,7 @@
             </a:ln>
             <a:extLst>
               <a:ext uri="{91240B29-F687-4f45-9708-019B960494DF}">
-                <a14:hiddenLine xmlns:a14="http://schemas.microsoft.com/office/drawing/2010/main" xmlns="" w="9525">
+                <a14:hiddenLine xmlns="" xmlns:a14="http://schemas.microsoft.com/office/drawing/2010/main" w="9525">
                   <a:solidFill>
                     <a:srgbClr val="000000"/>
                   </a:solidFill>
@@ -446,7 +494,7 @@
             </a:ln>
             <a:extLst>
               <a:ext uri="{91240B29-F687-4f45-9708-019B960494DF}">
-                <a14:hiddenLine xmlns:a14="http://schemas.microsoft.com/office/drawing/2010/main" xmlns="" w="9525">
+                <a14:hiddenLine xmlns="" xmlns:a14="http://schemas.microsoft.com/office/drawing/2010/main" w="9525">
                   <a:solidFill>
                     <a:srgbClr val="000000"/>
                   </a:solidFill>
@@ -536,7 +584,7 @@
             </a:ln>
             <a:extLst>
               <a:ext uri="{91240B29-F687-4f45-9708-019B960494DF}">
-                <a14:hiddenLine xmlns:a14="http://schemas.microsoft.com/office/drawing/2010/main" xmlns="" w="9525">
+                <a14:hiddenLine xmlns="" xmlns:a14="http://schemas.microsoft.com/office/drawing/2010/main" w="9525">
                   <a:solidFill>
                     <a:srgbClr val="000000"/>
                   </a:solidFill>
@@ -598,7 +646,7 @@
             </a:ln>
             <a:extLst>
               <a:ext uri="{91240B29-F687-4f45-9708-019B960494DF}">
-                <a14:hiddenLine xmlns:a14="http://schemas.microsoft.com/office/drawing/2010/main" xmlns="" w="9525">
+                <a14:hiddenLine xmlns="" xmlns:a14="http://schemas.microsoft.com/office/drawing/2010/main" w="9525">
                   <a:solidFill>
                     <a:srgbClr val="000000"/>
                   </a:solidFill>
@@ -660,7 +708,7 @@
             </a:ln>
             <a:extLst>
               <a:ext uri="{91240B29-F687-4f45-9708-019B960494DF}">
-                <a14:hiddenLine xmlns:a14="http://schemas.microsoft.com/office/drawing/2010/main" xmlns="" w="9525">
+                <a14:hiddenLine xmlns="" xmlns:a14="http://schemas.microsoft.com/office/drawing/2010/main" w="9525">
                   <a:solidFill>
                     <a:srgbClr val="000000"/>
                   </a:solidFill>
@@ -750,7 +798,7 @@
             </a:ln>
             <a:extLst>
               <a:ext uri="{91240B29-F687-4f45-9708-019B960494DF}">
-                <a14:hiddenLine xmlns:a14="http://schemas.microsoft.com/office/drawing/2010/main" xmlns="" w="9525">
+                <a14:hiddenLine xmlns="" xmlns:a14="http://schemas.microsoft.com/office/drawing/2010/main" w="9525">
                   <a:solidFill>
                     <a:srgbClr val="000000"/>
                   </a:solidFill>
@@ -812,7 +860,7 @@
             </a:ln>
             <a:extLst>
               <a:ext uri="{91240B29-F687-4f45-9708-019B960494DF}">
-                <a14:hiddenLine xmlns:a14="http://schemas.microsoft.com/office/drawing/2010/main" xmlns="" w="9525">
+                <a14:hiddenLine xmlns="" xmlns:a14="http://schemas.microsoft.com/office/drawing/2010/main" w="9525">
                   <a:solidFill>
                     <a:srgbClr val="000000"/>
                   </a:solidFill>
@@ -874,7 +922,7 @@
             </a:ln>
             <a:extLst>
               <a:ext uri="{91240B29-F687-4f45-9708-019B960494DF}">
-                <a14:hiddenLine xmlns:a14="http://schemas.microsoft.com/office/drawing/2010/main" xmlns="" w="9525">
+                <a14:hiddenLine xmlns="" xmlns:a14="http://schemas.microsoft.com/office/drawing/2010/main" w="9525">
                   <a:solidFill>
                     <a:srgbClr val="000000"/>
                   </a:solidFill>
@@ -964,7 +1012,7 @@
             </a:ln>
             <a:extLst>
               <a:ext uri="{91240B29-F687-4f45-9708-019B960494DF}">
-                <a14:hiddenLine xmlns:a14="http://schemas.microsoft.com/office/drawing/2010/main" xmlns="" w="9525">
+                <a14:hiddenLine xmlns="" xmlns:a14="http://schemas.microsoft.com/office/drawing/2010/main" w="9525">
                   <a:solidFill>
                     <a:srgbClr val="000000"/>
                   </a:solidFill>
@@ -1054,7 +1102,7 @@
             </a:ln>
             <a:extLst>
               <a:ext uri="{91240B29-F687-4f45-9708-019B960494DF}">
-                <a14:hiddenLine xmlns:a14="http://schemas.microsoft.com/office/drawing/2010/main" xmlns="" w="9525">
+                <a14:hiddenLine xmlns="" xmlns:a14="http://schemas.microsoft.com/office/drawing/2010/main" w="9525">
                   <a:solidFill>
                     <a:srgbClr val="000000"/>
                   </a:solidFill>
@@ -1116,7 +1164,7 @@
             </a:ln>
             <a:extLst>
               <a:ext uri="{91240B29-F687-4f45-9708-019B960494DF}">
-                <a14:hiddenLine xmlns:a14="http://schemas.microsoft.com/office/drawing/2010/main" xmlns="" w="9525">
+                <a14:hiddenLine xmlns="" xmlns:a14="http://schemas.microsoft.com/office/drawing/2010/main" w="9525">
                   <a:solidFill>
                     <a:srgbClr val="000000"/>
                   </a:solidFill>
@@ -1226,7 +1274,7 @@
             </a:ln>
             <a:extLst>
               <a:ext uri="{91240B29-F687-4f45-9708-019B960494DF}">
-                <a14:hiddenLine xmlns:a14="http://schemas.microsoft.com/office/drawing/2010/main" xmlns="" w="9525">
+                <a14:hiddenLine xmlns="" xmlns:a14="http://schemas.microsoft.com/office/drawing/2010/main" w="9525">
                   <a:solidFill>
                     <a:srgbClr val="000000"/>
                   </a:solidFill>
@@ -1288,7 +1336,7 @@
             </a:ln>
             <a:extLst>
               <a:ext uri="{91240B29-F687-4f45-9708-019B960494DF}">
-                <a14:hiddenLine xmlns:a14="http://schemas.microsoft.com/office/drawing/2010/main" xmlns="" w="9525">
+                <a14:hiddenLine xmlns="" xmlns:a14="http://schemas.microsoft.com/office/drawing/2010/main" w="9525">
                   <a:solidFill>
                     <a:srgbClr val="000000"/>
                   </a:solidFill>
@@ -1378,7 +1426,7 @@
             </a:ln>
             <a:extLst>
               <a:ext uri="{91240B29-F687-4f45-9708-019B960494DF}">
-                <a14:hiddenLine xmlns:a14="http://schemas.microsoft.com/office/drawing/2010/main" xmlns="" w="9525">
+                <a14:hiddenLine xmlns="" xmlns:a14="http://schemas.microsoft.com/office/drawing/2010/main" w="9525">
                   <a:solidFill>
                     <a:srgbClr val="000000"/>
                   </a:solidFill>
@@ -1468,7 +1516,7 @@
             </a:ln>
             <a:extLst>
               <a:ext uri="{91240B29-F687-4f45-9708-019B960494DF}">
-                <a14:hiddenLine xmlns:a14="http://schemas.microsoft.com/office/drawing/2010/main" xmlns="" w="9525">
+                <a14:hiddenLine xmlns="" xmlns:a14="http://schemas.microsoft.com/office/drawing/2010/main" w="9525">
                   <a:solidFill>
                     <a:srgbClr val="000000"/>
                   </a:solidFill>
@@ -1530,7 +1578,7 @@
             </a:ln>
             <a:extLst>
               <a:ext uri="{91240B29-F687-4f45-9708-019B960494DF}">
-                <a14:hiddenLine xmlns:a14="http://schemas.microsoft.com/office/drawing/2010/main" xmlns="" w="9525">
+                <a14:hiddenLine xmlns="" xmlns:a14="http://schemas.microsoft.com/office/drawing/2010/main" w="9525">
                   <a:solidFill>
                     <a:srgbClr val="000000"/>
                   </a:solidFill>
@@ -1620,7 +1668,7 @@
             </a:ln>
             <a:extLst>
               <a:ext uri="{91240B29-F687-4f45-9708-019B960494DF}">
-                <a14:hiddenLine xmlns:a14="http://schemas.microsoft.com/office/drawing/2010/main" xmlns="" w="9525">
+                <a14:hiddenLine xmlns="" xmlns:a14="http://schemas.microsoft.com/office/drawing/2010/main" w="9525">
                   <a:solidFill>
                     <a:srgbClr val="000000"/>
                   </a:solidFill>
@@ -1710,7 +1758,7 @@
             </a:ln>
             <a:extLst>
               <a:ext uri="{91240B29-F687-4f45-9708-019B960494DF}">
-                <a14:hiddenLine xmlns:a14="http://schemas.microsoft.com/office/drawing/2010/main" xmlns="" w="9525">
+                <a14:hiddenLine xmlns="" xmlns:a14="http://schemas.microsoft.com/office/drawing/2010/main" w="9525">
                   <a:solidFill>
                     <a:srgbClr val="000000"/>
                   </a:solidFill>
@@ -1766,7 +1814,7 @@
             </a:ln>
             <a:extLst>
               <a:ext uri="{91240B29-F687-4f45-9708-019B960494DF}">
-                <a14:hiddenLine xmlns:a14="http://schemas.microsoft.com/office/drawing/2010/main" xmlns="" w="9525">
+                <a14:hiddenLine xmlns="" xmlns:a14="http://schemas.microsoft.com/office/drawing/2010/main" w="9525">
                   <a:solidFill>
                     <a:srgbClr val="000000"/>
                   </a:solidFill>
@@ -1856,7 +1904,7 @@
             </a:ln>
             <a:extLst>
               <a:ext uri="{91240B29-F687-4f45-9708-019B960494DF}">
-                <a14:hiddenLine xmlns:a14="http://schemas.microsoft.com/office/drawing/2010/main" xmlns="" w="9525">
+                <a14:hiddenLine xmlns="" xmlns:a14="http://schemas.microsoft.com/office/drawing/2010/main" w="9525">
                   <a:solidFill>
                     <a:srgbClr val="000000"/>
                   </a:solidFill>
@@ -1912,7 +1960,7 @@
             </a:ln>
             <a:extLst>
               <a:ext uri="{91240B29-F687-4f45-9708-019B960494DF}">
-                <a14:hiddenLine xmlns:a14="http://schemas.microsoft.com/office/drawing/2010/main" xmlns="" w="9525">
+                <a14:hiddenLine xmlns="" xmlns:a14="http://schemas.microsoft.com/office/drawing/2010/main" w="9525">
                   <a:solidFill>
                     <a:srgbClr val="000000"/>
                   </a:solidFill>
@@ -2002,7 +2050,7 @@
             </a:ln>
             <a:extLst>
               <a:ext uri="{91240B29-F687-4f45-9708-019B960494DF}">
-                <a14:hiddenLine xmlns:a14="http://schemas.microsoft.com/office/drawing/2010/main" xmlns="" w="9525">
+                <a14:hiddenLine xmlns="" xmlns:a14="http://schemas.microsoft.com/office/drawing/2010/main" w="9525">
                   <a:solidFill>
                     <a:srgbClr val="000000"/>
                   </a:solidFill>
@@ -2070,7 +2118,7 @@
             </a:ln>
             <a:extLst>
               <a:ext uri="{91240B29-F687-4f45-9708-019B960494DF}">
-                <a14:hiddenLine xmlns:a14="http://schemas.microsoft.com/office/drawing/2010/main" xmlns="" w="9525">
+                <a14:hiddenLine xmlns="" xmlns:a14="http://schemas.microsoft.com/office/drawing/2010/main" w="9525">
                   <a:solidFill>
                     <a:srgbClr val="000000"/>
                   </a:solidFill>
@@ -2160,7 +2208,7 @@
             </a:ln>
             <a:extLst>
               <a:ext uri="{91240B29-F687-4f45-9708-019B960494DF}">
-                <a14:hiddenLine xmlns:a14="http://schemas.microsoft.com/office/drawing/2010/main" xmlns="" w="9525">
+                <a14:hiddenLine xmlns="" xmlns:a14="http://schemas.microsoft.com/office/drawing/2010/main" w="9525">
                   <a:solidFill>
                     <a:srgbClr val="000000"/>
                   </a:solidFill>
@@ -2228,7 +2276,7 @@
             </a:ln>
             <a:extLst>
               <a:ext uri="{91240B29-F687-4f45-9708-019B960494DF}">
-                <a14:hiddenLine xmlns:a14="http://schemas.microsoft.com/office/drawing/2010/main" xmlns="" w="9525">
+                <a14:hiddenLine xmlns="" xmlns:a14="http://schemas.microsoft.com/office/drawing/2010/main" w="9525">
                   <a:solidFill>
                     <a:srgbClr val="000000"/>
                   </a:solidFill>
@@ -2318,7 +2366,7 @@
             </a:ln>
             <a:extLst>
               <a:ext uri="{91240B29-F687-4f45-9708-019B960494DF}">
-                <a14:hiddenLine xmlns:a14="http://schemas.microsoft.com/office/drawing/2010/main" xmlns="" w="9525">
+                <a14:hiddenLine xmlns="" xmlns:a14="http://schemas.microsoft.com/office/drawing/2010/main" w="9525">
                   <a:solidFill>
                     <a:srgbClr val="000000"/>
                   </a:solidFill>
@@ -2352,7 +2400,7 @@
             </a:ln>
             <a:extLst>
               <a:ext uri="{91240B29-F687-4f45-9708-019B960494DF}">
-                <a14:hiddenLine xmlns:a14="http://schemas.microsoft.com/office/drawing/2010/main" xmlns="" w="9525">
+                <a14:hiddenLine xmlns="" xmlns:a14="http://schemas.microsoft.com/office/drawing/2010/main" w="9525">
                   <a:solidFill>
                     <a:srgbClr val="000000"/>
                   </a:solidFill>
@@ -2442,7 +2490,7 @@
             </a:ln>
             <a:extLst>
               <a:ext uri="{91240B29-F687-4f45-9708-019B960494DF}">
-                <a14:hiddenLine xmlns:a14="http://schemas.microsoft.com/office/drawing/2010/main" xmlns="" w="9525">
+                <a14:hiddenLine xmlns="" xmlns:a14="http://schemas.microsoft.com/office/drawing/2010/main" w="9525">
                   <a:solidFill>
                     <a:srgbClr val="000000"/>
                   </a:solidFill>
@@ -2504,7 +2552,7 @@
             </a:ln>
             <a:extLst>
               <a:ext uri="{91240B29-F687-4f45-9708-019B960494DF}">
-                <a14:hiddenLine xmlns:a14="http://schemas.microsoft.com/office/drawing/2010/main" xmlns="" w="9525">
+                <a14:hiddenLine xmlns="" xmlns:a14="http://schemas.microsoft.com/office/drawing/2010/main" w="9525">
                   <a:solidFill>
                     <a:srgbClr val="000000"/>
                   </a:solidFill>
@@ -2566,7 +2614,7 @@
             </a:ln>
             <a:extLst>
               <a:ext uri="{91240B29-F687-4f45-9708-019B960494DF}">
-                <a14:hiddenLine xmlns:a14="http://schemas.microsoft.com/office/drawing/2010/main" xmlns="" w="9525">
+                <a14:hiddenLine xmlns="" xmlns:a14="http://schemas.microsoft.com/office/drawing/2010/main" w="9525">
                   <a:solidFill>
                     <a:srgbClr val="000000"/>
                   </a:solidFill>
@@ -2656,7 +2704,7 @@
             </a:ln>
             <a:extLst>
               <a:ext uri="{91240B29-F687-4f45-9708-019B960494DF}">
-                <a14:hiddenLine xmlns:a14="http://schemas.microsoft.com/office/drawing/2010/main" xmlns="" w="9525">
+                <a14:hiddenLine xmlns="" xmlns:a14="http://schemas.microsoft.com/office/drawing/2010/main" w="9525">
                   <a:solidFill>
                     <a:srgbClr val="000000"/>
                   </a:solidFill>
@@ -2724,7 +2772,7 @@
             </a:ln>
             <a:extLst>
               <a:ext uri="{91240B29-F687-4f45-9708-019B960494DF}">
-                <a14:hiddenLine xmlns:a14="http://schemas.microsoft.com/office/drawing/2010/main" xmlns="" w="9525">
+                <a14:hiddenLine xmlns="" xmlns:a14="http://schemas.microsoft.com/office/drawing/2010/main" w="9525">
                   <a:solidFill>
                     <a:srgbClr val="000000"/>
                   </a:solidFill>
@@ -2786,7 +2834,7 @@
             </a:ln>
             <a:extLst>
               <a:ext uri="{91240B29-F687-4f45-9708-019B960494DF}">
-                <a14:hiddenLine xmlns:a14="http://schemas.microsoft.com/office/drawing/2010/main" xmlns="" w="9525">
+                <a14:hiddenLine xmlns="" xmlns:a14="http://schemas.microsoft.com/office/drawing/2010/main" w="9525">
                   <a:solidFill>
                     <a:srgbClr val="000000"/>
                   </a:solidFill>
@@ -2876,7 +2924,7 @@
             </a:ln>
             <a:extLst>
               <a:ext uri="{91240B29-F687-4f45-9708-019B960494DF}">
-                <a14:hiddenLine xmlns:a14="http://schemas.microsoft.com/office/drawing/2010/main" xmlns="" w="9525">
+                <a14:hiddenLine xmlns="" xmlns:a14="http://schemas.microsoft.com/office/drawing/2010/main" w="9525">
                   <a:solidFill>
                     <a:srgbClr val="000000"/>
                   </a:solidFill>
@@ -2938,7 +2986,7 @@
             </a:ln>
             <a:extLst>
               <a:ext uri="{91240B29-F687-4f45-9708-019B960494DF}">
-                <a14:hiddenLine xmlns:a14="http://schemas.microsoft.com/office/drawing/2010/main" xmlns="" w="9525">
+                <a14:hiddenLine xmlns="" xmlns:a14="http://schemas.microsoft.com/office/drawing/2010/main" w="9525">
                   <a:solidFill>
                     <a:srgbClr val="000000"/>
                   </a:solidFill>
@@ -3028,7 +3076,7 @@
             </a:ln>
             <a:extLst>
               <a:ext uri="{91240B29-F687-4f45-9708-019B960494DF}">
-                <a14:hiddenLine xmlns:a14="http://schemas.microsoft.com/office/drawing/2010/main" xmlns="" w="9525">
+                <a14:hiddenLine xmlns="" xmlns:a14="http://schemas.microsoft.com/office/drawing/2010/main" w="9525">
                   <a:solidFill>
                     <a:srgbClr val="000000"/>
                   </a:solidFill>
@@ -3090,7 +3138,7 @@
             </a:ln>
             <a:extLst>
               <a:ext uri="{91240B29-F687-4f45-9708-019B960494DF}">
-                <a14:hiddenLine xmlns:a14="http://schemas.microsoft.com/office/drawing/2010/main" xmlns="" w="9525">
+                <a14:hiddenLine xmlns="" xmlns:a14="http://schemas.microsoft.com/office/drawing/2010/main" w="9525">
                   <a:solidFill>
                     <a:srgbClr val="000000"/>
                   </a:solidFill>
@@ -3180,7 +3228,7 @@
             </a:ln>
             <a:extLst>
               <a:ext uri="{91240B29-F687-4f45-9708-019B960494DF}">
-                <a14:hiddenLine xmlns:a14="http://schemas.microsoft.com/office/drawing/2010/main" xmlns="" w="9525">
+                <a14:hiddenLine xmlns="" xmlns:a14="http://schemas.microsoft.com/office/drawing/2010/main" w="9525">
                   <a:solidFill>
                     <a:srgbClr val="000000"/>
                   </a:solidFill>
@@ -3214,7 +3262,7 @@
             </a:ln>
             <a:extLst>
               <a:ext uri="{91240B29-F687-4f45-9708-019B960494DF}">
-                <a14:hiddenLine xmlns:a14="http://schemas.microsoft.com/office/drawing/2010/main" xmlns="" w="9525">
+                <a14:hiddenLine xmlns="" xmlns:a14="http://schemas.microsoft.com/office/drawing/2010/main" w="9525">
                   <a:solidFill>
                     <a:srgbClr val="000000"/>
                   </a:solidFill>
@@ -3279,7 +3327,7 @@
             </a:ln>
             <a:extLst>
               <a:ext uri="{91240B29-F687-4f45-9708-019B960494DF}">
-                <a14:hiddenLine xmlns:a14="http://schemas.microsoft.com/office/drawing/2010/main" xmlns="" w="9525">
+                <a14:hiddenLine xmlns="" xmlns:a14="http://schemas.microsoft.com/office/drawing/2010/main" w="9525">
                   <a:solidFill>
                     <a:srgbClr val="000000"/>
                   </a:solidFill>
@@ -3369,7 +3417,7 @@
             </a:ln>
             <a:extLst>
               <a:ext uri="{91240B29-F687-4f45-9708-019B960494DF}">
-                <a14:hiddenLine xmlns:a14="http://schemas.microsoft.com/office/drawing/2010/main" xmlns="" w="9525">
+                <a14:hiddenLine xmlns="" xmlns:a14="http://schemas.microsoft.com/office/drawing/2010/main" w="9525">
                   <a:solidFill>
                     <a:srgbClr val="000000"/>
                   </a:solidFill>
@@ -3431,7 +3479,7 @@
             </a:ln>
             <a:extLst>
               <a:ext uri="{91240B29-F687-4f45-9708-019B960494DF}">
-                <a14:hiddenLine xmlns:a14="http://schemas.microsoft.com/office/drawing/2010/main" xmlns="" w="9525">
+                <a14:hiddenLine xmlns="" xmlns:a14="http://schemas.microsoft.com/office/drawing/2010/main" w="9525">
                   <a:solidFill>
                     <a:srgbClr val="000000"/>
                   </a:solidFill>
@@ -3521,7 +3569,7 @@
             </a:ln>
             <a:extLst>
               <a:ext uri="{91240B29-F687-4f45-9708-019B960494DF}">
-                <a14:hiddenLine xmlns:a14="http://schemas.microsoft.com/office/drawing/2010/main" xmlns="" w="9525">
+                <a14:hiddenLine xmlns="" xmlns:a14="http://schemas.microsoft.com/office/drawing/2010/main" w="9525">
                   <a:solidFill>
                     <a:srgbClr val="000000"/>
                   </a:solidFill>
@@ -3611,7 +3659,7 @@
             </a:ln>
             <a:extLst>
               <a:ext uri="{91240B29-F687-4f45-9708-019B960494DF}">
-                <a14:hiddenLine xmlns:a14="http://schemas.microsoft.com/office/drawing/2010/main" xmlns="" w="9525">
+                <a14:hiddenLine xmlns="" xmlns:a14="http://schemas.microsoft.com/office/drawing/2010/main" w="9525">
                   <a:solidFill>
                     <a:srgbClr val="000000"/>
                   </a:solidFill>
@@ -3676,7 +3724,7 @@
             </a:ln>
             <a:extLst>
               <a:ext uri="{91240B29-F687-4f45-9708-019B960494DF}">
-                <a14:hiddenLine xmlns:a14="http://schemas.microsoft.com/office/drawing/2010/main" xmlns="" w="9525">
+                <a14:hiddenLine xmlns="" xmlns:a14="http://schemas.microsoft.com/office/drawing/2010/main" w="9525">
                   <a:solidFill>
                     <a:srgbClr val="000000"/>
                   </a:solidFill>
@@ -3738,7 +3786,7 @@
             </a:ln>
             <a:extLst>
               <a:ext uri="{91240B29-F687-4f45-9708-019B960494DF}">
-                <a14:hiddenLine xmlns:a14="http://schemas.microsoft.com/office/drawing/2010/main" xmlns="" w="9525">
+                <a14:hiddenLine xmlns="" xmlns:a14="http://schemas.microsoft.com/office/drawing/2010/main" w="9525">
                   <a:solidFill>
                     <a:srgbClr val="000000"/>
                   </a:solidFill>
@@ -3828,7 +3876,7 @@
             </a:ln>
             <a:extLst>
               <a:ext uri="{91240B29-F687-4f45-9708-019B960494DF}">
-                <a14:hiddenLine xmlns:a14="http://schemas.microsoft.com/office/drawing/2010/main" xmlns="" w="9525">
+                <a14:hiddenLine xmlns="" xmlns:a14="http://schemas.microsoft.com/office/drawing/2010/main" w="9525">
                   <a:solidFill>
                     <a:srgbClr val="000000"/>
                   </a:solidFill>
@@ -3918,7 +3966,7 @@
             </a:ln>
             <a:extLst>
               <a:ext uri="{91240B29-F687-4f45-9708-019B960494DF}">
-                <a14:hiddenLine xmlns:a14="http://schemas.microsoft.com/office/drawing/2010/main" xmlns="" w="9525">
+                <a14:hiddenLine xmlns="" xmlns:a14="http://schemas.microsoft.com/office/drawing/2010/main" w="9525">
                   <a:solidFill>
                     <a:srgbClr val="000000"/>
                   </a:solidFill>
@@ -3980,7 +4028,7 @@
             </a:ln>
             <a:extLst>
               <a:ext uri="{91240B29-F687-4f45-9708-019B960494DF}">
-                <a14:hiddenLine xmlns:a14="http://schemas.microsoft.com/office/drawing/2010/main" xmlns="" w="9525">
+                <a14:hiddenLine xmlns="" xmlns:a14="http://schemas.microsoft.com/office/drawing/2010/main" w="9525">
                   <a:solidFill>
                     <a:srgbClr val="000000"/>
                   </a:solidFill>
@@ -4100,7 +4148,7 @@
             </a:ln>
             <a:extLst>
               <a:ext uri="{91240B29-F687-4f45-9708-019B960494DF}">
-                <a14:hiddenLine xmlns:a14="http://schemas.microsoft.com/office/drawing/2010/main" xmlns="" w="9525">
+                <a14:hiddenLine xmlns="" xmlns:a14="http://schemas.microsoft.com/office/drawing/2010/main" w="9525">
                   <a:solidFill>
                     <a:srgbClr val="000000"/>
                   </a:solidFill>
@@ -4168,7 +4216,7 @@
             </a:ln>
             <a:extLst>
               <a:ext uri="{91240B29-F687-4f45-9708-019B960494DF}">
-                <a14:hiddenLine xmlns:a14="http://schemas.microsoft.com/office/drawing/2010/main" xmlns="" w="9525">
+                <a14:hiddenLine xmlns="" xmlns:a14="http://schemas.microsoft.com/office/drawing/2010/main" w="9525">
                   <a:solidFill>
                     <a:srgbClr val="000000"/>
                   </a:solidFill>
@@ -4258,7 +4306,7 @@
             </a:ln>
             <a:extLst>
               <a:ext uri="{91240B29-F687-4f45-9708-019B960494DF}">
-                <a14:hiddenLine xmlns:a14="http://schemas.microsoft.com/office/drawing/2010/main" xmlns="" w="9525">
+                <a14:hiddenLine xmlns="" xmlns:a14="http://schemas.microsoft.com/office/drawing/2010/main" w="9525">
                   <a:solidFill>
                     <a:srgbClr val="000000"/>
                   </a:solidFill>
@@ -4398,7 +4446,7 @@
           <a:p>
             <a:fld id="{48A87A34-81AB-432B-8DAE-1953F412C126}" type="datetimeFigureOut">
               <a:rPr lang="en-US" dirty="0"/>
-              <a:t>9/30/2022</a:t>
+              <a:t>10/1/2022</a:t>
             </a:fld>
             <a:endParaRPr lang="en-US" dirty="0"/>
           </a:p>
@@ -4660,7 +4708,7 @@
           <a:p>
             <a:fld id="{48A87A34-81AB-432B-8DAE-1953F412C126}" type="datetimeFigureOut">
               <a:rPr lang="en-US" dirty="0"/>
-              <a:t>9/30/2022</a:t>
+              <a:t>10/1/2022</a:t>
             </a:fld>
             <a:endParaRPr lang="en-US" dirty="0"/>
           </a:p>
@@ -4851,7 +4899,7 @@
           <a:p>
             <a:fld id="{48A87A34-81AB-432B-8DAE-1953F412C126}" type="datetimeFigureOut">
               <a:rPr lang="en-US" dirty="0"/>
-              <a:t>9/30/2022</a:t>
+              <a:t>10/1/2022</a:t>
             </a:fld>
             <a:endParaRPr lang="en-US" dirty="0"/>
           </a:p>
@@ -5109,7 +5157,7 @@
           <a:p>
             <a:fld id="{48A87A34-81AB-432B-8DAE-1953F412C126}" type="datetimeFigureOut">
               <a:rPr lang="en-US" dirty="0"/>
-              <a:t>9/30/2022</a:t>
+              <a:t>10/1/2022</a:t>
             </a:fld>
             <a:endParaRPr lang="en-US" dirty="0"/>
           </a:p>
@@ -5538,7 +5586,7 @@
           <a:p>
             <a:fld id="{48A87A34-81AB-432B-8DAE-1953F412C126}" type="datetimeFigureOut">
               <a:rPr lang="en-US" dirty="0"/>
-              <a:t>9/30/2022</a:t>
+              <a:t>10/1/2022</a:t>
             </a:fld>
             <a:endParaRPr lang="en-US" dirty="0"/>
           </a:p>
@@ -6079,7 +6127,7 @@
           <a:p>
             <a:fld id="{48A87A34-81AB-432B-8DAE-1953F412C126}" type="datetimeFigureOut">
               <a:rPr lang="en-US" dirty="0"/>
-              <a:t>9/30/2022</a:t>
+              <a:t>10/1/2022</a:t>
             </a:fld>
             <a:endParaRPr lang="en-US" dirty="0"/>
           </a:p>
@@ -6794,7 +6842,7 @@
           <a:p>
             <a:fld id="{48A87A34-81AB-432B-8DAE-1953F412C126}" type="datetimeFigureOut">
               <a:rPr lang="en-US" dirty="0"/>
-              <a:t>9/30/2022</a:t>
+              <a:t>10/1/2022</a:t>
             </a:fld>
             <a:endParaRPr lang="en-US" dirty="0"/>
           </a:p>
@@ -6959,7 +7007,7 @@
           <a:p>
             <a:fld id="{48A87A34-81AB-432B-8DAE-1953F412C126}" type="datetimeFigureOut">
               <a:rPr lang="en-US" dirty="0"/>
-              <a:t>9/30/2022</a:t>
+              <a:t>10/1/2022</a:t>
             </a:fld>
             <a:endParaRPr lang="en-US" dirty="0"/>
           </a:p>
@@ -7134,7 +7182,7 @@
           <a:p>
             <a:fld id="{48A87A34-81AB-432B-8DAE-1953F412C126}" type="datetimeFigureOut">
               <a:rPr lang="en-US" dirty="0"/>
-              <a:t>9/30/2022</a:t>
+              <a:t>10/1/2022</a:t>
             </a:fld>
             <a:endParaRPr lang="en-US" dirty="0"/>
           </a:p>
@@ -7299,7 +7347,7 @@
           <a:p>
             <a:fld id="{48A87A34-81AB-432B-8DAE-1953F412C126}" type="datetimeFigureOut">
               <a:rPr lang="en-US" dirty="0"/>
-              <a:t>9/30/2022</a:t>
+              <a:t>10/1/2022</a:t>
             </a:fld>
             <a:endParaRPr lang="en-US" dirty="0"/>
           </a:p>
@@ -7544,7 +7592,7 @@
           <a:p>
             <a:fld id="{48A87A34-81AB-432B-8DAE-1953F412C126}" type="datetimeFigureOut">
               <a:rPr lang="en-US" dirty="0"/>
-              <a:t>9/30/2022</a:t>
+              <a:t>10/1/2022</a:t>
             </a:fld>
             <a:endParaRPr lang="en-US" dirty="0"/>
           </a:p>
@@ -7771,7 +7819,7 @@
           <a:p>
             <a:fld id="{48A87A34-81AB-432B-8DAE-1953F412C126}" type="datetimeFigureOut">
               <a:rPr lang="en-US" dirty="0"/>
-              <a:t>9/30/2022</a:t>
+              <a:t>10/1/2022</a:t>
             </a:fld>
             <a:endParaRPr lang="en-US" dirty="0"/>
           </a:p>
@@ -8147,7 +8195,7 @@
           <a:p>
             <a:fld id="{48A87A34-81AB-432B-8DAE-1953F412C126}" type="datetimeFigureOut">
               <a:rPr lang="en-US" dirty="0"/>
-              <a:t>9/30/2022</a:t>
+              <a:t>10/1/2022</a:t>
             </a:fld>
             <a:endParaRPr lang="en-US" dirty="0"/>
           </a:p>
@@ -8260,7 +8308,7 @@
           <a:p>
             <a:fld id="{48A87A34-81AB-432B-8DAE-1953F412C126}" type="datetimeFigureOut">
               <a:rPr lang="en-US" dirty="0"/>
-              <a:t>9/30/2022</a:t>
+              <a:t>10/1/2022</a:t>
             </a:fld>
             <a:endParaRPr lang="en-US" dirty="0"/>
           </a:p>
@@ -8350,7 +8398,7 @@
           <a:p>
             <a:fld id="{48A87A34-81AB-432B-8DAE-1953F412C126}" type="datetimeFigureOut">
               <a:rPr lang="en-US" dirty="0"/>
-              <a:t>9/30/2022</a:t>
+              <a:t>10/1/2022</a:t>
             </a:fld>
             <a:endParaRPr lang="en-US" dirty="0"/>
           </a:p>
@@ -8594,7 +8642,7 @@
           <a:p>
             <a:fld id="{48A87A34-81AB-432B-8DAE-1953F412C126}" type="datetimeFigureOut">
               <a:rPr lang="en-US" dirty="0"/>
-              <a:t>9/30/2022</a:t>
+              <a:t>10/1/2022</a:t>
             </a:fld>
             <a:endParaRPr lang="en-US" dirty="0"/>
           </a:p>
@@ -8869,7 +8917,7 @@
           <a:p>
             <a:fld id="{48A87A34-81AB-432B-8DAE-1953F412C126}" type="datetimeFigureOut">
               <a:rPr lang="en-US" dirty="0"/>
-              <a:t>9/30/2022</a:t>
+              <a:t>10/1/2022</a:t>
             </a:fld>
             <a:endParaRPr lang="en-US" dirty="0"/>
           </a:p>
@@ -8987,7 +9035,7 @@
           <a:noFill/>
           <a:extLst>
             <a:ext uri="{909E8E84-426E-40dd-AFC4-6F175D3DCCD1}">
-              <a14:hiddenFill xmlns:a14="http://schemas.microsoft.com/office/drawing/2010/main" xmlns="">
+              <a14:hiddenFill xmlns="" xmlns:a14="http://schemas.microsoft.com/office/drawing/2010/main">
                 <a:solidFill>
                   <a:srgbClr val="FFFFFF"/>
                 </a:solidFill>
@@ -9061,7 +9109,7 @@
               </a:ln>
               <a:extLst>
                 <a:ext uri="{91240B29-F687-4f45-9708-019B960494DF}">
-                  <a14:hiddenLine xmlns:a14="http://schemas.microsoft.com/office/drawing/2010/main" xmlns="" w="9525">
+                  <a14:hiddenLine xmlns="" xmlns:a14="http://schemas.microsoft.com/office/drawing/2010/main" w="9525">
                     <a:solidFill>
                       <a:srgbClr val="000000"/>
                     </a:solidFill>
@@ -9151,7 +9199,7 @@
               </a:ln>
               <a:extLst>
                 <a:ext uri="{91240B29-F687-4f45-9708-019B960494DF}">
-                  <a14:hiddenLine xmlns:a14="http://schemas.microsoft.com/office/drawing/2010/main" xmlns="" w="9525">
+                  <a14:hiddenLine xmlns="" xmlns:a14="http://schemas.microsoft.com/office/drawing/2010/main" w="9525">
                     <a:solidFill>
                       <a:srgbClr val="000000"/>
                     </a:solidFill>
@@ -9241,7 +9289,7 @@
               </a:ln>
               <a:extLst>
                 <a:ext uri="{91240B29-F687-4f45-9708-019B960494DF}">
-                  <a14:hiddenLine xmlns:a14="http://schemas.microsoft.com/office/drawing/2010/main" xmlns="" w="9525">
+                  <a14:hiddenLine xmlns="" xmlns:a14="http://schemas.microsoft.com/office/drawing/2010/main" w="9525">
                     <a:solidFill>
                       <a:srgbClr val="000000"/>
                     </a:solidFill>
@@ -9303,7 +9351,7 @@
               </a:ln>
               <a:extLst>
                 <a:ext uri="{91240B29-F687-4f45-9708-019B960494DF}">
-                  <a14:hiddenLine xmlns:a14="http://schemas.microsoft.com/office/drawing/2010/main" xmlns="" w="9525">
+                  <a14:hiddenLine xmlns="" xmlns:a14="http://schemas.microsoft.com/office/drawing/2010/main" w="9525">
                     <a:solidFill>
                       <a:srgbClr val="000000"/>
                     </a:solidFill>
@@ -9393,7 +9441,7 @@
               </a:ln>
               <a:extLst>
                 <a:ext uri="{91240B29-F687-4f45-9708-019B960494DF}">
-                  <a14:hiddenLine xmlns:a14="http://schemas.microsoft.com/office/drawing/2010/main" xmlns="" w="9525">
+                  <a14:hiddenLine xmlns="" xmlns:a14="http://schemas.microsoft.com/office/drawing/2010/main" w="9525">
                     <a:solidFill>
                       <a:srgbClr val="000000"/>
                     </a:solidFill>
@@ -9455,7 +9503,7 @@
               </a:ln>
               <a:extLst>
                 <a:ext uri="{91240B29-F687-4f45-9708-019B960494DF}">
-                  <a14:hiddenLine xmlns:a14="http://schemas.microsoft.com/office/drawing/2010/main" xmlns="" w="9525">
+                  <a14:hiddenLine xmlns="" xmlns:a14="http://schemas.microsoft.com/office/drawing/2010/main" w="9525">
                     <a:solidFill>
                       <a:srgbClr val="000000"/>
                     </a:solidFill>
@@ -9517,7 +9565,7 @@
               </a:ln>
               <a:extLst>
                 <a:ext uri="{91240B29-F687-4f45-9708-019B960494DF}">
-                  <a14:hiddenLine xmlns:a14="http://schemas.microsoft.com/office/drawing/2010/main" xmlns="" w="9525">
+                  <a14:hiddenLine xmlns="" xmlns:a14="http://schemas.microsoft.com/office/drawing/2010/main" w="9525">
                     <a:solidFill>
                       <a:srgbClr val="000000"/>
                     </a:solidFill>
@@ -9607,7 +9655,7 @@
               </a:ln>
               <a:extLst>
                 <a:ext uri="{91240B29-F687-4f45-9708-019B960494DF}">
-                  <a14:hiddenLine xmlns:a14="http://schemas.microsoft.com/office/drawing/2010/main" xmlns="" w="9525">
+                  <a14:hiddenLine xmlns="" xmlns:a14="http://schemas.microsoft.com/office/drawing/2010/main" w="9525">
                     <a:solidFill>
                       <a:srgbClr val="000000"/>
                     </a:solidFill>
@@ -9697,7 +9745,7 @@
               </a:ln>
               <a:extLst>
                 <a:ext uri="{91240B29-F687-4f45-9708-019B960494DF}">
-                  <a14:hiddenLine xmlns:a14="http://schemas.microsoft.com/office/drawing/2010/main" xmlns="" w="9525">
+                  <a14:hiddenLine xmlns="" xmlns:a14="http://schemas.microsoft.com/office/drawing/2010/main" w="9525">
                     <a:solidFill>
                       <a:srgbClr val="000000"/>
                     </a:solidFill>
@@ -9759,7 +9807,7 @@
               </a:ln>
               <a:extLst>
                 <a:ext uri="{91240B29-F687-4f45-9708-019B960494DF}">
-                  <a14:hiddenLine xmlns:a14="http://schemas.microsoft.com/office/drawing/2010/main" xmlns="" w="9525">
+                  <a14:hiddenLine xmlns="" xmlns:a14="http://schemas.microsoft.com/office/drawing/2010/main" w="9525">
                     <a:solidFill>
                       <a:srgbClr val="000000"/>
                     </a:solidFill>
@@ -9869,7 +9917,7 @@
               </a:ln>
               <a:extLst>
                 <a:ext uri="{91240B29-F687-4f45-9708-019B960494DF}">
-                  <a14:hiddenLine xmlns:a14="http://schemas.microsoft.com/office/drawing/2010/main" xmlns="" w="9525">
+                  <a14:hiddenLine xmlns="" xmlns:a14="http://schemas.microsoft.com/office/drawing/2010/main" w="9525">
                     <a:solidFill>
                       <a:srgbClr val="000000"/>
                     </a:solidFill>
@@ -9953,7 +10001,7 @@
               </a:ln>
               <a:extLst>
                 <a:ext uri="{91240B29-F687-4f45-9708-019B960494DF}">
-                  <a14:hiddenLine xmlns:a14="http://schemas.microsoft.com/office/drawing/2010/main" xmlns="" w="9525">
+                  <a14:hiddenLine xmlns="" xmlns:a14="http://schemas.microsoft.com/office/drawing/2010/main" w="9525">
                     <a:solidFill>
                       <a:srgbClr val="000000"/>
                     </a:solidFill>
@@ -10015,7 +10063,7 @@
               </a:ln>
               <a:extLst>
                 <a:ext uri="{91240B29-F687-4f45-9708-019B960494DF}">
-                  <a14:hiddenLine xmlns:a14="http://schemas.microsoft.com/office/drawing/2010/main" xmlns="" w="9525">
+                  <a14:hiddenLine xmlns="" xmlns:a14="http://schemas.microsoft.com/office/drawing/2010/main" w="9525">
                     <a:solidFill>
                       <a:srgbClr val="000000"/>
                     </a:solidFill>
@@ -10077,7 +10125,7 @@
               </a:ln>
               <a:extLst>
                 <a:ext uri="{91240B29-F687-4f45-9708-019B960494DF}">
-                  <a14:hiddenLine xmlns:a14="http://schemas.microsoft.com/office/drawing/2010/main" xmlns="" w="9525">
+                  <a14:hiddenLine xmlns="" xmlns:a14="http://schemas.microsoft.com/office/drawing/2010/main" w="9525">
                     <a:solidFill>
                       <a:srgbClr val="000000"/>
                     </a:solidFill>
@@ -10167,7 +10215,7 @@
               </a:ln>
               <a:extLst>
                 <a:ext uri="{91240B29-F687-4f45-9708-019B960494DF}">
-                  <a14:hiddenLine xmlns:a14="http://schemas.microsoft.com/office/drawing/2010/main" xmlns="" w="9525">
+                  <a14:hiddenLine xmlns="" xmlns:a14="http://schemas.microsoft.com/office/drawing/2010/main" w="9525">
                     <a:solidFill>
                       <a:srgbClr val="000000"/>
                     </a:solidFill>
@@ -10201,7 +10249,7 @@
               </a:ln>
               <a:extLst>
                 <a:ext uri="{91240B29-F687-4f45-9708-019B960494DF}">
-                  <a14:hiddenLine xmlns:a14="http://schemas.microsoft.com/office/drawing/2010/main" xmlns="" w="9525">
+                  <a14:hiddenLine xmlns="" xmlns:a14="http://schemas.microsoft.com/office/drawing/2010/main" w="9525">
                     <a:solidFill>
                       <a:srgbClr val="000000"/>
                     </a:solidFill>
@@ -10266,7 +10314,7 @@
               </a:ln>
               <a:extLst>
                 <a:ext uri="{91240B29-F687-4f45-9708-019B960494DF}">
-                  <a14:hiddenLine xmlns:a14="http://schemas.microsoft.com/office/drawing/2010/main" xmlns="" w="9525">
+                  <a14:hiddenLine xmlns="" xmlns:a14="http://schemas.microsoft.com/office/drawing/2010/main" w="9525">
                     <a:solidFill>
                       <a:srgbClr val="000000"/>
                     </a:solidFill>
@@ -10356,7 +10404,7 @@
               </a:ln>
               <a:extLst>
                 <a:ext uri="{91240B29-F687-4f45-9708-019B960494DF}">
-                  <a14:hiddenLine xmlns:a14="http://schemas.microsoft.com/office/drawing/2010/main" xmlns="" w="9525">
+                  <a14:hiddenLine xmlns="" xmlns:a14="http://schemas.microsoft.com/office/drawing/2010/main" w="9525">
                     <a:solidFill>
                       <a:srgbClr val="000000"/>
                     </a:solidFill>
@@ -10418,7 +10466,7 @@
               </a:ln>
               <a:extLst>
                 <a:ext uri="{91240B29-F687-4f45-9708-019B960494DF}">
-                  <a14:hiddenLine xmlns:a14="http://schemas.microsoft.com/office/drawing/2010/main" xmlns="" w="9525">
+                  <a14:hiddenLine xmlns="" xmlns:a14="http://schemas.microsoft.com/office/drawing/2010/main" w="9525">
                     <a:solidFill>
                       <a:srgbClr val="000000"/>
                     </a:solidFill>
@@ -10508,7 +10556,7 @@
               </a:ln>
               <a:extLst>
                 <a:ext uri="{91240B29-F687-4f45-9708-019B960494DF}">
-                  <a14:hiddenLine xmlns:a14="http://schemas.microsoft.com/office/drawing/2010/main" xmlns="" w="9525">
+                  <a14:hiddenLine xmlns="" xmlns:a14="http://schemas.microsoft.com/office/drawing/2010/main" w="9525">
                     <a:solidFill>
                       <a:srgbClr val="000000"/>
                     </a:solidFill>
@@ -10573,7 +10621,7 @@
               </a:ln>
               <a:extLst>
                 <a:ext uri="{91240B29-F687-4f45-9708-019B960494DF}">
-                  <a14:hiddenLine xmlns:a14="http://schemas.microsoft.com/office/drawing/2010/main" xmlns="" w="9525">
+                  <a14:hiddenLine xmlns="" xmlns:a14="http://schemas.microsoft.com/office/drawing/2010/main" w="9525">
                     <a:solidFill>
                       <a:srgbClr val="000000"/>
                     </a:solidFill>
@@ -10635,7 +10683,7 @@
               </a:ln>
               <a:extLst>
                 <a:ext uri="{91240B29-F687-4f45-9708-019B960494DF}">
-                  <a14:hiddenLine xmlns:a14="http://schemas.microsoft.com/office/drawing/2010/main" xmlns="" w="9525">
+                  <a14:hiddenLine xmlns="" xmlns:a14="http://schemas.microsoft.com/office/drawing/2010/main" w="9525">
                     <a:solidFill>
                       <a:srgbClr val="000000"/>
                     </a:solidFill>
@@ -10725,7 +10773,7 @@
               </a:ln>
               <a:extLst>
                 <a:ext uri="{91240B29-F687-4f45-9708-019B960494DF}">
-                  <a14:hiddenLine xmlns:a14="http://schemas.microsoft.com/office/drawing/2010/main" xmlns="" w="9525">
+                  <a14:hiddenLine xmlns="" xmlns:a14="http://schemas.microsoft.com/office/drawing/2010/main" w="9525">
                     <a:solidFill>
                       <a:srgbClr val="000000"/>
                     </a:solidFill>
@@ -10815,7 +10863,7 @@
               </a:ln>
               <a:extLst>
                 <a:ext uri="{91240B29-F687-4f45-9708-019B960494DF}">
-                  <a14:hiddenLine xmlns:a14="http://schemas.microsoft.com/office/drawing/2010/main" xmlns="" w="9525">
+                  <a14:hiddenLine xmlns="" xmlns:a14="http://schemas.microsoft.com/office/drawing/2010/main" w="9525">
                     <a:solidFill>
                       <a:srgbClr val="000000"/>
                     </a:solidFill>
@@ -10880,7 +10928,7 @@
               </a:ln>
               <a:extLst>
                 <a:ext uri="{91240B29-F687-4f45-9708-019B960494DF}">
-                  <a14:hiddenLine xmlns:a14="http://schemas.microsoft.com/office/drawing/2010/main" xmlns="" w="9525">
+                  <a14:hiddenLine xmlns="" xmlns:a14="http://schemas.microsoft.com/office/drawing/2010/main" w="9525">
                     <a:solidFill>
                       <a:srgbClr val="000000"/>
                     </a:solidFill>
@@ -11000,7 +11048,7 @@
               </a:ln>
               <a:extLst>
                 <a:ext uri="{91240B29-F687-4f45-9708-019B960494DF}">
-                  <a14:hiddenLine xmlns:a14="http://schemas.microsoft.com/office/drawing/2010/main" xmlns="" w="9525">
+                  <a14:hiddenLine xmlns="" xmlns:a14="http://schemas.microsoft.com/office/drawing/2010/main" w="9525">
                     <a:solidFill>
                       <a:srgbClr val="000000"/>
                     </a:solidFill>
@@ -11098,7 +11146,7 @@
               </a:ln>
               <a:extLst>
                 <a:ext uri="{91240B29-F687-4f45-9708-019B960494DF}">
-                  <a14:hiddenLine xmlns:a14="http://schemas.microsoft.com/office/drawing/2010/main" xmlns="" w="9525">
+                  <a14:hiddenLine xmlns="" xmlns:a14="http://schemas.microsoft.com/office/drawing/2010/main" w="9525">
                     <a:solidFill>
                       <a:srgbClr val="000000"/>
                     </a:solidFill>
@@ -11213,7 +11261,7 @@
               </a:ln>
               <a:extLst>
                 <a:ext uri="{91240B29-F687-4f45-9708-019B960494DF}">
-                  <a14:hiddenLine xmlns:a14="http://schemas.microsoft.com/office/drawing/2010/main" xmlns="" w="9525">
+                  <a14:hiddenLine xmlns="" xmlns:a14="http://schemas.microsoft.com/office/drawing/2010/main" w="9525">
                     <a:solidFill>
                       <a:srgbClr val="000000"/>
                     </a:solidFill>
@@ -11303,7 +11351,7 @@
               </a:ln>
               <a:extLst>
                 <a:ext uri="{91240B29-F687-4f45-9708-019B960494DF}">
-                  <a14:hiddenLine xmlns:a14="http://schemas.microsoft.com/office/drawing/2010/main" xmlns="" w="9525">
+                  <a14:hiddenLine xmlns="" xmlns:a14="http://schemas.microsoft.com/office/drawing/2010/main" w="9525">
                     <a:solidFill>
                       <a:srgbClr val="000000"/>
                     </a:solidFill>
@@ -11368,7 +11416,7 @@
               </a:ln>
               <a:extLst>
                 <a:ext uri="{91240B29-F687-4f45-9708-019B960494DF}">
-                  <a14:hiddenLine xmlns:a14="http://schemas.microsoft.com/office/drawing/2010/main" xmlns="" w="9525">
+                  <a14:hiddenLine xmlns="" xmlns:a14="http://schemas.microsoft.com/office/drawing/2010/main" w="9525">
                     <a:solidFill>
                       <a:srgbClr val="000000"/>
                     </a:solidFill>
@@ -11458,7 +11506,7 @@
               </a:ln>
               <a:extLst>
                 <a:ext uri="{91240B29-F687-4f45-9708-019B960494DF}">
-                  <a14:hiddenLine xmlns:a14="http://schemas.microsoft.com/office/drawing/2010/main" xmlns="" w="9525">
+                  <a14:hiddenLine xmlns="" xmlns:a14="http://schemas.microsoft.com/office/drawing/2010/main" w="9525">
                     <a:solidFill>
                       <a:srgbClr val="000000"/>
                     </a:solidFill>
@@ -11526,7 +11574,7 @@
               </a:ln>
               <a:extLst>
                 <a:ext uri="{91240B29-F687-4f45-9708-019B960494DF}">
-                  <a14:hiddenLine xmlns:a14="http://schemas.microsoft.com/office/drawing/2010/main" xmlns="" w="9525">
+                  <a14:hiddenLine xmlns="" xmlns:a14="http://schemas.microsoft.com/office/drawing/2010/main" w="9525">
                     <a:solidFill>
                       <a:srgbClr val="000000"/>
                     </a:solidFill>
@@ -11616,7 +11664,7 @@
               </a:ln>
               <a:extLst>
                 <a:ext uri="{91240B29-F687-4f45-9708-019B960494DF}">
-                  <a14:hiddenLine xmlns:a14="http://schemas.microsoft.com/office/drawing/2010/main" xmlns="" w="9525">
+                  <a14:hiddenLine xmlns="" xmlns:a14="http://schemas.microsoft.com/office/drawing/2010/main" w="9525">
                     <a:solidFill>
                       <a:srgbClr val="000000"/>
                     </a:solidFill>
@@ -11684,7 +11732,7 @@
               </a:ln>
               <a:extLst>
                 <a:ext uri="{91240B29-F687-4f45-9708-019B960494DF}">
-                  <a14:hiddenLine xmlns:a14="http://schemas.microsoft.com/office/drawing/2010/main" xmlns="" w="9525">
+                  <a14:hiddenLine xmlns="" xmlns:a14="http://schemas.microsoft.com/office/drawing/2010/main" w="9525">
                     <a:solidFill>
                       <a:srgbClr val="000000"/>
                     </a:solidFill>
@@ -11774,7 +11822,7 @@
               </a:ln>
               <a:extLst>
                 <a:ext uri="{91240B29-F687-4f45-9708-019B960494DF}">
-                  <a14:hiddenLine xmlns:a14="http://schemas.microsoft.com/office/drawing/2010/main" xmlns="" w="9525">
+                  <a14:hiddenLine xmlns="" xmlns:a14="http://schemas.microsoft.com/office/drawing/2010/main" w="9525">
                     <a:solidFill>
                       <a:srgbClr val="000000"/>
                     </a:solidFill>
@@ -11808,7 +11856,7 @@
               </a:ln>
               <a:extLst>
                 <a:ext uri="{91240B29-F687-4f45-9708-019B960494DF}">
-                  <a14:hiddenLine xmlns:a14="http://schemas.microsoft.com/office/drawing/2010/main" xmlns="" w="9525">
+                  <a14:hiddenLine xmlns="" xmlns:a14="http://schemas.microsoft.com/office/drawing/2010/main" w="9525">
                     <a:solidFill>
                       <a:srgbClr val="000000"/>
                     </a:solidFill>
@@ -11949,7 +11997,7 @@
             <a:fld id="{48A87A34-81AB-432B-8DAE-1953F412C126}" type="datetimeFigureOut">
               <a:rPr lang="en-US" dirty="0"/>
               <a:pPr/>
-              <a:t>9/30/2022</a:t>
+              <a:t>10/1/2022</a:t>
             </a:fld>
             <a:endParaRPr lang="en-US" dirty="0"/>
           </a:p>
@@ -12481,6 +12529,41 @@
           </a:p>
         </p:txBody>
       </p:sp>
+      <p:sp>
+        <p:nvSpPr>
+          <p:cNvPr id="4" name="TextBox 3">
+            <a:extLst>
+              <a:ext uri="{FF2B5EF4-FFF2-40B4-BE49-F238E27FC236}">
+                <a16:creationId xmlns:a16="http://schemas.microsoft.com/office/drawing/2014/main" id="{F2639979-9728-D7F2-3BD5-B6BF9912AF8F}"/>
+              </a:ext>
+            </a:extLst>
+          </p:cNvPr>
+          <p:cNvSpPr txBox="1"/>
+          <p:nvPr/>
+        </p:nvSpPr>
+        <p:spPr>
+          <a:xfrm>
+            <a:off x="4068147" y="4703544"/>
+            <a:ext cx="8630816" cy="646331"/>
+          </a:xfrm>
+          <a:prstGeom prst="rect">
+            <a:avLst/>
+          </a:prstGeom>
+          <a:noFill/>
+        </p:spPr>
+        <p:txBody>
+          <a:bodyPr wrap="square" rtlCol="0">
+            <a:spAutoFit/>
+          </a:bodyPr>
+          <a:lstStyle/>
+          <a:p>
+            <a:r>
+              <a:rPr lang="en-US" dirty="0"/>
+              <a:t>https://github.com/BloomTechBackend/bd-team-project-javaforce5/tree/main/backend/javaforce5-beta</a:t>
+            </a:r>
+          </a:p>
+        </p:txBody>
+      </p:sp>
     </p:spTree>
     <p:extLst>
       <p:ext uri="{BB962C8B-B14F-4D97-AF65-F5344CB8AC3E}">
